--- a/6-Translation/Cognitive Lab 6 - Language Translator.pptx
+++ b/6-Translation/Cognitive Lab 6 - Language Translator.pptx
@@ -262,7 +262,7 @@
             <a:fld id="{B39099E1-2F6C-1143-9DF8-8ECBCD01D041}" type="datetimeFigureOut">
               <a:rPr lang="en-US" smtClean="0"/>
               <a:pPr/>
-              <a:t>6/28/18</a:t>
+              <a:t>7/9/18</a:t>
             </a:fld>
             <a:endParaRPr lang="en-US"/>
           </a:p>
@@ -1146,7 +1146,7 @@
     </p:spTree>
     <p:extLst>
       <p:ext uri="{BB962C8B-B14F-4D97-AF65-F5344CB8AC3E}">
-        <p14:creationId xmlns:p14="http://schemas.microsoft.com/office/powerpoint/2010/main" val="1236602698"/>
+        <p14:creationId xmlns:p14="http://schemas.microsoft.com/office/powerpoint/2010/main" val="569624469"/>
       </p:ext>
     </p:extLst>
   </p:cSld>
@@ -4733,7 +4733,7 @@
           <a:p>
             <a:fld id="{B4F4939B-B8E4-4846-BA65-70B7915F55E2}" type="datetimeFigureOut">
               <a:rPr lang="en-US" smtClean="0"/>
-              <a:t>6/28/18</a:t>
+              <a:t>7/9/18</a:t>
             </a:fld>
             <a:endParaRPr lang="en-US"/>
           </a:p>
@@ -8489,8 +8489,8 @@
         </p:nvSpPr>
         <p:spPr>
           <a:xfrm>
-            <a:off x="463081" y="790219"/>
-            <a:ext cx="8271015" cy="4093428"/>
+            <a:off x="346342" y="874440"/>
+            <a:ext cx="8476382" cy="4093428"/>
           </a:xfrm>
           <a:prstGeom prst="rect">
             <a:avLst/>
@@ -8766,7 +8766,37 @@
               <a:rPr lang="en-US" dirty="0">
                 <a:latin typeface="IBM Plex Sans" panose="020B0503050203000203" pitchFamily="34" charset="77"/>
               </a:rPr>
-              <a:t>to translate the content of the original tweet</a:t>
+              <a:t>to </a:t>
+            </a:r>
+            <a:r>
+              <a:rPr lang="en-US" b="1" dirty="0">
+                <a:solidFill>
+                  <a:srgbClr val="FF0000"/>
+                </a:solidFill>
+                <a:latin typeface="IBM Plex Sans" panose="020B0503050203000203" pitchFamily="34" charset="77"/>
+              </a:rPr>
+              <a:t>identify</a:t>
+            </a:r>
+            <a:r>
+              <a:rPr lang="en-US" dirty="0">
+                <a:latin typeface="IBM Plex Sans" panose="020B0503050203000203" pitchFamily="34" charset="77"/>
+              </a:rPr>
+              <a:t> the language of the original tweet and </a:t>
+            </a:r>
+            <a:r>
+              <a:rPr lang="en-US" b="1" dirty="0">
+                <a:solidFill>
+                  <a:srgbClr val="FF0000"/>
+                </a:solidFill>
+                <a:latin typeface="IBM Plex Sans" panose="020B0503050203000203" pitchFamily="34" charset="77"/>
+              </a:rPr>
+              <a:t>translate</a:t>
+            </a:r>
+            <a:r>
+              <a:rPr lang="en-US" dirty="0">
+                <a:latin typeface="IBM Plex Sans" panose="020B0503050203000203" pitchFamily="34" charset="77"/>
+              </a:rPr>
+              <a:t> the content into your requested language</a:t>
             </a:r>
           </a:p>
           <a:p>
@@ -8825,7 +8855,7 @@
     </p:spTree>
     <p:extLst>
       <p:ext uri="{BB962C8B-B14F-4D97-AF65-F5344CB8AC3E}">
-        <p14:creationId xmlns:p14="http://schemas.microsoft.com/office/powerpoint/2010/main" val="975036851"/>
+        <p14:creationId xmlns:p14="http://schemas.microsoft.com/office/powerpoint/2010/main" val="3489766233"/>
       </p:ext>
     </p:extLst>
   </p:cSld>
